--- a/supports/P2_02_presentation v2 - final.pptx
+++ b/supports/P2_02_presentation v2 - final.pptx
@@ -234,7 +234,7 @@
           <a:p>
             <a:fld id="{081908C2-F1FA-4AA1-810C-31F86594FA86}" type="datetimeFigureOut">
               <a:rPr lang="en-US" smtClean="0"/>
-              <a:t>5/18/2021</a:t>
+              <a:t>5/31/2021</a:t>
             </a:fld>
             <a:endParaRPr lang="en-US"/>
           </a:p>
@@ -399,7 +399,7 @@
           <a:p>
             <a:fld id="{56E8D31E-EEDD-42CA-A79A-B9539977145E}" type="datetimeFigureOut">
               <a:rPr lang="en-US" smtClean="0"/>
-              <a:t>5/18/2021</a:t>
+              <a:t>5/31/2021</a:t>
             </a:fld>
             <a:endParaRPr lang="en-US"/>
           </a:p>
@@ -666,6 +666,1343 @@
 </p:notesMaster>
 </file>
 
+<file path=ppt/notesSlides/notesSlide1.xml><?xml version="1.0" encoding="utf-8"?>
+<p:notes xmlns:a="http://schemas.openxmlformats.org/drawingml/2006/main" xmlns:r="http://schemas.openxmlformats.org/officeDocument/2006/relationships" xmlns:p="http://schemas.openxmlformats.org/presentationml/2006/main">
+  <p:cSld>
+    <p:spTree>
+      <p:nvGrpSpPr>
+        <p:cNvPr id="1" name=""/>
+        <p:cNvGrpSpPr/>
+        <p:nvPr/>
+      </p:nvGrpSpPr>
+      <p:grpSpPr>
+        <a:xfrm>
+          <a:off x="0" y="0"/>
+          <a:ext cx="0" cy="0"/>
+          <a:chOff x="0" y="0"/>
+          <a:chExt cx="0" cy="0"/>
+        </a:xfrm>
+      </p:grpSpPr>
+      <p:sp>
+        <p:nvSpPr>
+          <p:cNvPr id="2" name="Espace réservé de l'image des diapositives 1"/>
+          <p:cNvSpPr>
+            <a:spLocks noGrp="1" noRot="1" noChangeAspect="1"/>
+          </p:cNvSpPr>
+          <p:nvPr>
+            <p:ph type="sldImg"/>
+          </p:nvPr>
+        </p:nvSpPr>
+        <p:spPr/>
+      </p:sp>
+      <p:sp>
+        <p:nvSpPr>
+          <p:cNvPr id="3" name="Espace réservé des notes 2"/>
+          <p:cNvSpPr>
+            <a:spLocks noGrp="1"/>
+          </p:cNvSpPr>
+          <p:nvPr>
+            <p:ph type="body" idx="1"/>
+          </p:nvPr>
+        </p:nvSpPr>
+        <p:spPr/>
+        <p:txBody>
+          <a:bodyPr/>
+          <a:lstStyle/>
+          <a:p>
+            <a:pPr marL="228600" indent="-228600">
+              <a:buAutoNum type="arabicPeriod"/>
+            </a:pPr>
+            <a:r>
+              <a:rPr lang="fr-FR" dirty="0"/>
+              <a:t>quels sont les objectifs de ce projet</a:t>
+            </a:r>
+          </a:p>
+          <a:p>
+            <a:pPr marL="228600" indent="-228600">
+              <a:buAutoNum type="arabicPeriod"/>
+            </a:pPr>
+            <a:r>
+              <a:rPr lang="fr-FR" dirty="0"/>
+              <a:t>Connaitre plus en détails les différents </a:t>
+            </a:r>
+            <a:r>
+              <a:rPr lang="fr-FR" dirty="0" err="1"/>
+              <a:t>dataset</a:t>
+            </a:r>
+            <a:r>
+              <a:rPr lang="fr-FR" dirty="0"/>
+              <a:t> / ensemble de données</a:t>
+            </a:r>
+          </a:p>
+          <a:p>
+            <a:pPr marL="228600" indent="-228600">
+              <a:buAutoNum type="arabicPeriod"/>
+            </a:pPr>
+            <a:r>
+              <a:rPr lang="fr-FR" dirty="0"/>
+              <a:t>selon les hypothèses que j’ai défini pour travailler la mission</a:t>
+            </a:r>
+          </a:p>
+          <a:p>
+            <a:pPr marL="228600" indent="-228600">
+              <a:buAutoNum type="arabicPeriod"/>
+            </a:pPr>
+            <a:r>
+              <a:rPr lang="fr-FR" dirty="0"/>
+              <a:t>Finalement…</a:t>
+            </a:r>
+          </a:p>
+        </p:txBody>
+      </p:sp>
+      <p:sp>
+        <p:nvSpPr>
+          <p:cNvPr id="4" name="Espace réservé du numéro de diapositive 3"/>
+          <p:cNvSpPr>
+            <a:spLocks noGrp="1"/>
+          </p:cNvSpPr>
+          <p:nvPr>
+            <p:ph type="sldNum" sz="quarter" idx="5"/>
+          </p:nvPr>
+        </p:nvSpPr>
+        <p:spPr/>
+        <p:txBody>
+          <a:bodyPr/>
+          <a:lstStyle/>
+          <a:p>
+            <a:fld id="{B2BE2823-3393-479C-B299-87C7B63AEB2B}" type="slidenum">
+              <a:rPr lang="en-US" smtClean="0"/>
+              <a:t>2</a:t>
+            </a:fld>
+            <a:endParaRPr lang="en-US"/>
+          </a:p>
+        </p:txBody>
+      </p:sp>
+    </p:spTree>
+    <p:extLst>
+      <p:ext uri="{BB962C8B-B14F-4D97-AF65-F5344CB8AC3E}">
+        <p14:creationId xmlns:p14="http://schemas.microsoft.com/office/powerpoint/2010/main" val="2345747401"/>
+      </p:ext>
+    </p:extLst>
+  </p:cSld>
+  <p:clrMapOvr>
+    <a:masterClrMapping/>
+  </p:clrMapOvr>
+</p:notes>
+</file>
+
+<file path=ppt/notesSlides/notesSlide10.xml><?xml version="1.0" encoding="utf-8"?>
+<p:notes xmlns:a="http://schemas.openxmlformats.org/drawingml/2006/main" xmlns:r="http://schemas.openxmlformats.org/officeDocument/2006/relationships" xmlns:p="http://schemas.openxmlformats.org/presentationml/2006/main">
+  <p:cSld>
+    <p:spTree>
+      <p:nvGrpSpPr>
+        <p:cNvPr id="1" name=""/>
+        <p:cNvGrpSpPr/>
+        <p:nvPr/>
+      </p:nvGrpSpPr>
+      <p:grpSpPr>
+        <a:xfrm>
+          <a:off x="0" y="0"/>
+          <a:ext cx="0" cy="0"/>
+          <a:chOff x="0" y="0"/>
+          <a:chExt cx="0" cy="0"/>
+        </a:xfrm>
+      </p:grpSpPr>
+      <p:sp>
+        <p:nvSpPr>
+          <p:cNvPr id="2" name="Espace réservé de l'image des diapositives 1"/>
+          <p:cNvSpPr>
+            <a:spLocks noGrp="1" noRot="1" noChangeAspect="1"/>
+          </p:cNvSpPr>
+          <p:nvPr>
+            <p:ph type="sldImg"/>
+          </p:nvPr>
+        </p:nvSpPr>
+        <p:spPr/>
+      </p:sp>
+      <p:sp>
+        <p:nvSpPr>
+          <p:cNvPr id="3" name="Espace réservé des notes 2"/>
+          <p:cNvSpPr>
+            <a:spLocks noGrp="1"/>
+          </p:cNvSpPr>
+          <p:nvPr>
+            <p:ph type="body" idx="1"/>
+          </p:nvPr>
+        </p:nvSpPr>
+        <p:spPr/>
+        <p:txBody>
+          <a:bodyPr/>
+          <a:lstStyle/>
+          <a:p>
+            <a:pPr marL="0" marR="0" lvl="0" indent="0" algn="l" defTabSz="914400" rtl="0" eaLnBrk="1" fontAlgn="auto" latinLnBrk="0" hangingPunct="1">
+              <a:lnSpc>
+                <a:spcPct val="100000"/>
+              </a:lnSpc>
+              <a:spcBef>
+                <a:spcPts val="0"/>
+              </a:spcBef>
+              <a:spcAft>
+                <a:spcPts val="0"/>
+              </a:spcAft>
+              <a:buClrTx/>
+              <a:buSzTx/>
+              <a:buFontTx/>
+              <a:buNone/>
+              <a:tabLst/>
+              <a:defRPr/>
+            </a:pPr>
+            <a:r>
+              <a:rPr lang="es-ES" dirty="0"/>
+              <a:t>LA </a:t>
+            </a:r>
+            <a:r>
+              <a:rPr lang="es-ES" dirty="0" err="1"/>
+              <a:t>CHINe</a:t>
+            </a:r>
+            <a:r>
+              <a:rPr lang="es-ES" dirty="0"/>
+              <a:t>, L’AND</a:t>
+            </a:r>
+            <a:endParaRPr lang="fr-FR" dirty="0"/>
+          </a:p>
+          <a:p>
+            <a:endParaRPr lang="fr-FR" dirty="0"/>
+          </a:p>
+        </p:txBody>
+      </p:sp>
+      <p:sp>
+        <p:nvSpPr>
+          <p:cNvPr id="4" name="Espace réservé du numéro de diapositive 3"/>
+          <p:cNvSpPr>
+            <a:spLocks noGrp="1"/>
+          </p:cNvSpPr>
+          <p:nvPr>
+            <p:ph type="sldNum" sz="quarter" idx="5"/>
+          </p:nvPr>
+        </p:nvSpPr>
+        <p:spPr/>
+        <p:txBody>
+          <a:bodyPr/>
+          <a:lstStyle/>
+          <a:p>
+            <a:fld id="{B2BE2823-3393-479C-B299-87C7B63AEB2B}" type="slidenum">
+              <a:rPr lang="en-US" smtClean="0"/>
+              <a:t>16</a:t>
+            </a:fld>
+            <a:endParaRPr lang="en-US"/>
+          </a:p>
+        </p:txBody>
+      </p:sp>
+    </p:spTree>
+    <p:extLst>
+      <p:ext uri="{BB962C8B-B14F-4D97-AF65-F5344CB8AC3E}">
+        <p14:creationId xmlns:p14="http://schemas.microsoft.com/office/powerpoint/2010/main" val="1179713778"/>
+      </p:ext>
+    </p:extLst>
+  </p:cSld>
+  <p:clrMapOvr>
+    <a:masterClrMapping/>
+  </p:clrMapOvr>
+</p:notes>
+</file>
+
+<file path=ppt/notesSlides/notesSlide11.xml><?xml version="1.0" encoding="utf-8"?>
+<p:notes xmlns:a="http://schemas.openxmlformats.org/drawingml/2006/main" xmlns:r="http://schemas.openxmlformats.org/officeDocument/2006/relationships" xmlns:p="http://schemas.openxmlformats.org/presentationml/2006/main">
+  <p:cSld>
+    <p:spTree>
+      <p:nvGrpSpPr>
+        <p:cNvPr id="1" name=""/>
+        <p:cNvGrpSpPr/>
+        <p:nvPr/>
+      </p:nvGrpSpPr>
+      <p:grpSpPr>
+        <a:xfrm>
+          <a:off x="0" y="0"/>
+          <a:ext cx="0" cy="0"/>
+          <a:chOff x="0" y="0"/>
+          <a:chExt cx="0" cy="0"/>
+        </a:xfrm>
+      </p:grpSpPr>
+      <p:sp>
+        <p:nvSpPr>
+          <p:cNvPr id="2" name="Espace réservé de l'image des diapositives 1"/>
+          <p:cNvSpPr>
+            <a:spLocks noGrp="1" noRot="1" noChangeAspect="1"/>
+          </p:cNvSpPr>
+          <p:nvPr>
+            <p:ph type="sldImg"/>
+          </p:nvPr>
+        </p:nvSpPr>
+        <p:spPr/>
+      </p:sp>
+      <p:sp>
+        <p:nvSpPr>
+          <p:cNvPr id="3" name="Espace réservé des notes 2"/>
+          <p:cNvSpPr>
+            <a:spLocks noGrp="1"/>
+          </p:cNvSpPr>
+          <p:nvPr>
+            <p:ph type="body" idx="1"/>
+          </p:nvPr>
+        </p:nvSpPr>
+        <p:spPr/>
+        <p:txBody>
+          <a:bodyPr/>
+          <a:lstStyle/>
+          <a:p>
+            <a:r>
+              <a:rPr lang="fr-FR" dirty="0"/>
+              <a:t>D'ailleurs </a:t>
+            </a:r>
+          </a:p>
+          <a:p>
+            <a:pPr marL="0" marR="0" lvl="0" indent="0" algn="l" defTabSz="914400" rtl="0" eaLnBrk="1" fontAlgn="auto" latinLnBrk="0" hangingPunct="1">
+              <a:lnSpc>
+                <a:spcPct val="100000"/>
+              </a:lnSpc>
+              <a:spcBef>
+                <a:spcPts val="0"/>
+              </a:spcBef>
+              <a:spcAft>
+                <a:spcPts val="0"/>
+              </a:spcAft>
+              <a:buClrTx/>
+              <a:buSzTx/>
+              <a:buFontTx/>
+              <a:buNone/>
+              <a:tabLst/>
+              <a:defRPr/>
+            </a:pPr>
+            <a:r>
+              <a:rPr lang="es-ES" dirty="0"/>
+              <a:t>LA </a:t>
+            </a:r>
+            <a:r>
+              <a:rPr lang="es-ES" dirty="0" err="1"/>
+              <a:t>CHINe</a:t>
+            </a:r>
+            <a:r>
+              <a:rPr lang="es-ES" dirty="0"/>
+              <a:t>, L’AND</a:t>
+            </a:r>
+            <a:endParaRPr lang="fr-FR" dirty="0"/>
+          </a:p>
+          <a:p>
+            <a:endParaRPr lang="fr-FR" dirty="0"/>
+          </a:p>
+        </p:txBody>
+      </p:sp>
+      <p:sp>
+        <p:nvSpPr>
+          <p:cNvPr id="4" name="Espace réservé du numéro de diapositive 3"/>
+          <p:cNvSpPr>
+            <a:spLocks noGrp="1"/>
+          </p:cNvSpPr>
+          <p:nvPr>
+            <p:ph type="sldNum" sz="quarter" idx="5"/>
+          </p:nvPr>
+        </p:nvSpPr>
+        <p:spPr/>
+        <p:txBody>
+          <a:bodyPr/>
+          <a:lstStyle/>
+          <a:p>
+            <a:fld id="{B2BE2823-3393-479C-B299-87C7B63AEB2B}" type="slidenum">
+              <a:rPr lang="en-US" smtClean="0"/>
+              <a:t>17</a:t>
+            </a:fld>
+            <a:endParaRPr lang="en-US"/>
+          </a:p>
+        </p:txBody>
+      </p:sp>
+    </p:spTree>
+    <p:extLst>
+      <p:ext uri="{BB962C8B-B14F-4D97-AF65-F5344CB8AC3E}">
+        <p14:creationId xmlns:p14="http://schemas.microsoft.com/office/powerpoint/2010/main" val="1331829127"/>
+      </p:ext>
+    </p:extLst>
+  </p:cSld>
+  <p:clrMapOvr>
+    <a:masterClrMapping/>
+  </p:clrMapOvr>
+</p:notes>
+</file>
+
+<file path=ppt/notesSlides/notesSlide12.xml><?xml version="1.0" encoding="utf-8"?>
+<p:notes xmlns:a="http://schemas.openxmlformats.org/drawingml/2006/main" xmlns:r="http://schemas.openxmlformats.org/officeDocument/2006/relationships" xmlns:p="http://schemas.openxmlformats.org/presentationml/2006/main">
+  <p:cSld>
+    <p:spTree>
+      <p:nvGrpSpPr>
+        <p:cNvPr id="1" name=""/>
+        <p:cNvGrpSpPr/>
+        <p:nvPr/>
+      </p:nvGrpSpPr>
+      <p:grpSpPr>
+        <a:xfrm>
+          <a:off x="0" y="0"/>
+          <a:ext cx="0" cy="0"/>
+          <a:chOff x="0" y="0"/>
+          <a:chExt cx="0" cy="0"/>
+        </a:xfrm>
+      </p:grpSpPr>
+      <p:sp>
+        <p:nvSpPr>
+          <p:cNvPr id="2" name="Espace réservé de l'image des diapositives 1"/>
+          <p:cNvSpPr>
+            <a:spLocks noGrp="1" noRot="1" noChangeAspect="1"/>
+          </p:cNvSpPr>
+          <p:nvPr>
+            <p:ph type="sldImg"/>
+          </p:nvPr>
+        </p:nvSpPr>
+        <p:spPr/>
+      </p:sp>
+      <p:sp>
+        <p:nvSpPr>
+          <p:cNvPr id="3" name="Espace réservé des notes 2"/>
+          <p:cNvSpPr>
+            <a:spLocks noGrp="1"/>
+          </p:cNvSpPr>
+          <p:nvPr>
+            <p:ph type="body" idx="1"/>
+          </p:nvPr>
+        </p:nvSpPr>
+        <p:spPr/>
+        <p:txBody>
+          <a:bodyPr/>
+          <a:lstStyle/>
+          <a:p>
+            <a:pPr marL="0" marR="0" lvl="0" indent="0" algn="l" defTabSz="914400" rtl="0" eaLnBrk="1" fontAlgn="auto" latinLnBrk="0" hangingPunct="1">
+              <a:lnSpc>
+                <a:spcPct val="100000"/>
+              </a:lnSpc>
+              <a:spcBef>
+                <a:spcPts val="0"/>
+              </a:spcBef>
+              <a:spcAft>
+                <a:spcPts val="0"/>
+              </a:spcAft>
+              <a:buClrTx/>
+              <a:buSzTx/>
+              <a:buFontTx/>
+              <a:buNone/>
+              <a:tabLst/>
+              <a:defRPr/>
+            </a:pPr>
+            <a:r>
+              <a:rPr lang="es-ES" dirty="0"/>
+              <a:t>L’AND</a:t>
+            </a:r>
+            <a:endParaRPr lang="fr-FR" dirty="0"/>
+          </a:p>
+          <a:p>
+            <a:r>
+              <a:rPr lang="fr-FR" dirty="0"/>
+              <a:t>l'Allemagne</a:t>
+            </a:r>
+          </a:p>
+        </p:txBody>
+      </p:sp>
+      <p:sp>
+        <p:nvSpPr>
+          <p:cNvPr id="4" name="Espace réservé du numéro de diapositive 3"/>
+          <p:cNvSpPr>
+            <a:spLocks noGrp="1"/>
+          </p:cNvSpPr>
+          <p:nvPr>
+            <p:ph type="sldNum" sz="quarter" idx="5"/>
+          </p:nvPr>
+        </p:nvSpPr>
+        <p:spPr/>
+        <p:txBody>
+          <a:bodyPr/>
+          <a:lstStyle/>
+          <a:p>
+            <a:fld id="{B2BE2823-3393-479C-B299-87C7B63AEB2B}" type="slidenum">
+              <a:rPr lang="en-US" smtClean="0"/>
+              <a:t>18</a:t>
+            </a:fld>
+            <a:endParaRPr lang="en-US"/>
+          </a:p>
+        </p:txBody>
+      </p:sp>
+    </p:spTree>
+    <p:extLst>
+      <p:ext uri="{BB962C8B-B14F-4D97-AF65-F5344CB8AC3E}">
+        <p14:creationId xmlns:p14="http://schemas.microsoft.com/office/powerpoint/2010/main" val="1828682237"/>
+      </p:ext>
+    </p:extLst>
+  </p:cSld>
+  <p:clrMapOvr>
+    <a:masterClrMapping/>
+  </p:clrMapOvr>
+</p:notes>
+</file>
+
+<file path=ppt/notesSlides/notesSlide2.xml><?xml version="1.0" encoding="utf-8"?>
+<p:notes xmlns:a="http://schemas.openxmlformats.org/drawingml/2006/main" xmlns:r="http://schemas.openxmlformats.org/officeDocument/2006/relationships" xmlns:p="http://schemas.openxmlformats.org/presentationml/2006/main">
+  <p:cSld>
+    <p:spTree>
+      <p:nvGrpSpPr>
+        <p:cNvPr id="1" name=""/>
+        <p:cNvGrpSpPr/>
+        <p:nvPr/>
+      </p:nvGrpSpPr>
+      <p:grpSpPr>
+        <a:xfrm>
+          <a:off x="0" y="0"/>
+          <a:ext cx="0" cy="0"/>
+          <a:chOff x="0" y="0"/>
+          <a:chExt cx="0" cy="0"/>
+        </a:xfrm>
+      </p:grpSpPr>
+      <p:sp>
+        <p:nvSpPr>
+          <p:cNvPr id="2" name="Espace réservé de l'image des diapositives 1"/>
+          <p:cNvSpPr>
+            <a:spLocks noGrp="1" noRot="1" noChangeAspect="1"/>
+          </p:cNvSpPr>
+          <p:nvPr>
+            <p:ph type="sldImg"/>
+          </p:nvPr>
+        </p:nvSpPr>
+        <p:spPr/>
+      </p:sp>
+      <p:sp>
+        <p:nvSpPr>
+          <p:cNvPr id="3" name="Espace réservé des notes 2"/>
+          <p:cNvSpPr>
+            <a:spLocks noGrp="1"/>
+          </p:cNvSpPr>
+          <p:nvPr>
+            <p:ph type="body" idx="1"/>
+          </p:nvPr>
+        </p:nvSpPr>
+        <p:spPr/>
+        <p:txBody>
+          <a:bodyPr/>
+          <a:lstStyle/>
+          <a:p>
+            <a:r>
+              <a:rPr lang="fr-FR" dirty="0"/>
+              <a:t>on doit travailler dans le cadre d'une startup qui s'appelle </a:t>
+            </a:r>
+            <a:r>
+              <a:rPr lang="fr-FR" dirty="0" err="1"/>
+              <a:t>Academy</a:t>
+            </a:r>
+            <a:endParaRPr lang="fr-FR" dirty="0"/>
+          </a:p>
+        </p:txBody>
+      </p:sp>
+      <p:sp>
+        <p:nvSpPr>
+          <p:cNvPr id="4" name="Espace réservé du numéro de diapositive 3"/>
+          <p:cNvSpPr>
+            <a:spLocks noGrp="1"/>
+          </p:cNvSpPr>
+          <p:nvPr>
+            <p:ph type="sldNum" sz="quarter" idx="5"/>
+          </p:nvPr>
+        </p:nvSpPr>
+        <p:spPr/>
+        <p:txBody>
+          <a:bodyPr/>
+          <a:lstStyle/>
+          <a:p>
+            <a:fld id="{B2BE2823-3393-479C-B299-87C7B63AEB2B}" type="slidenum">
+              <a:rPr lang="en-US" smtClean="0"/>
+              <a:t>4</a:t>
+            </a:fld>
+            <a:endParaRPr lang="en-US"/>
+          </a:p>
+        </p:txBody>
+      </p:sp>
+    </p:spTree>
+    <p:extLst>
+      <p:ext uri="{BB962C8B-B14F-4D97-AF65-F5344CB8AC3E}">
+        <p14:creationId xmlns:p14="http://schemas.microsoft.com/office/powerpoint/2010/main" val="2414419663"/>
+      </p:ext>
+    </p:extLst>
+  </p:cSld>
+  <p:clrMapOvr>
+    <a:masterClrMapping/>
+  </p:clrMapOvr>
+</p:notes>
+</file>
+
+<file path=ppt/notesSlides/notesSlide3.xml><?xml version="1.0" encoding="utf-8"?>
+<p:notes xmlns:a="http://schemas.openxmlformats.org/drawingml/2006/main" xmlns:r="http://schemas.openxmlformats.org/officeDocument/2006/relationships" xmlns:p="http://schemas.openxmlformats.org/presentationml/2006/main">
+  <p:cSld>
+    <p:spTree>
+      <p:nvGrpSpPr>
+        <p:cNvPr id="1" name=""/>
+        <p:cNvGrpSpPr/>
+        <p:nvPr/>
+      </p:nvGrpSpPr>
+      <p:grpSpPr>
+        <a:xfrm>
+          <a:off x="0" y="0"/>
+          <a:ext cx="0" cy="0"/>
+          <a:chOff x="0" y="0"/>
+          <a:chExt cx="0" cy="0"/>
+        </a:xfrm>
+      </p:grpSpPr>
+      <p:sp>
+        <p:nvSpPr>
+          <p:cNvPr id="2" name="Espace réservé de l'image des diapositives 1"/>
+          <p:cNvSpPr>
+            <a:spLocks noGrp="1" noRot="1" noChangeAspect="1"/>
+          </p:cNvSpPr>
+          <p:nvPr>
+            <p:ph type="sldImg"/>
+          </p:nvPr>
+        </p:nvSpPr>
+        <p:spPr/>
+      </p:sp>
+      <p:sp>
+        <p:nvSpPr>
+          <p:cNvPr id="3" name="Espace réservé des notes 2"/>
+          <p:cNvSpPr>
+            <a:spLocks noGrp="1"/>
+          </p:cNvSpPr>
+          <p:nvPr>
+            <p:ph type="body" idx="1"/>
+          </p:nvPr>
+        </p:nvSpPr>
+        <p:spPr/>
+        <p:txBody>
+          <a:bodyPr/>
+          <a:lstStyle/>
+          <a:p>
+            <a:pPr marL="171450" indent="-171450">
+              <a:buFont typeface="Wingdings" panose="05000000000000000000" pitchFamily="2" charset="2"/>
+              <a:buChar char="§"/>
+            </a:pPr>
+            <a:r>
+              <a:rPr lang="fr-FR" dirty="0"/>
+              <a:t>Il y a 5 ensembles des données qui ont des relations</a:t>
+            </a:r>
+          </a:p>
+        </p:txBody>
+      </p:sp>
+      <p:sp>
+        <p:nvSpPr>
+          <p:cNvPr id="4" name="Espace réservé du numéro de diapositive 3"/>
+          <p:cNvSpPr>
+            <a:spLocks noGrp="1"/>
+          </p:cNvSpPr>
+          <p:nvPr>
+            <p:ph type="sldNum" sz="quarter" idx="5"/>
+          </p:nvPr>
+        </p:nvSpPr>
+        <p:spPr/>
+        <p:txBody>
+          <a:bodyPr/>
+          <a:lstStyle/>
+          <a:p>
+            <a:fld id="{B2BE2823-3393-479C-B299-87C7B63AEB2B}" type="slidenum">
+              <a:rPr lang="en-US" smtClean="0"/>
+              <a:t>6</a:t>
+            </a:fld>
+            <a:endParaRPr lang="en-US"/>
+          </a:p>
+        </p:txBody>
+      </p:sp>
+    </p:spTree>
+    <p:extLst>
+      <p:ext uri="{BB962C8B-B14F-4D97-AF65-F5344CB8AC3E}">
+        <p14:creationId xmlns:p14="http://schemas.microsoft.com/office/powerpoint/2010/main" val="528435060"/>
+      </p:ext>
+    </p:extLst>
+  </p:cSld>
+  <p:clrMapOvr>
+    <a:masterClrMapping/>
+  </p:clrMapOvr>
+</p:notes>
+</file>
+
+<file path=ppt/notesSlides/notesSlide4.xml><?xml version="1.0" encoding="utf-8"?>
+<p:notes xmlns:a="http://schemas.openxmlformats.org/drawingml/2006/main" xmlns:r="http://schemas.openxmlformats.org/officeDocument/2006/relationships" xmlns:p="http://schemas.openxmlformats.org/presentationml/2006/main">
+  <p:cSld>
+    <p:spTree>
+      <p:nvGrpSpPr>
+        <p:cNvPr id="1" name=""/>
+        <p:cNvGrpSpPr/>
+        <p:nvPr/>
+      </p:nvGrpSpPr>
+      <p:grpSpPr>
+        <a:xfrm>
+          <a:off x="0" y="0"/>
+          <a:ext cx="0" cy="0"/>
+          <a:chOff x="0" y="0"/>
+          <a:chExt cx="0" cy="0"/>
+        </a:xfrm>
+      </p:grpSpPr>
+      <p:sp>
+        <p:nvSpPr>
+          <p:cNvPr id="2" name="Espace réservé de l'image des diapositives 1"/>
+          <p:cNvSpPr>
+            <a:spLocks noGrp="1" noRot="1" noChangeAspect="1"/>
+          </p:cNvSpPr>
+          <p:nvPr>
+            <p:ph type="sldImg"/>
+          </p:nvPr>
+        </p:nvSpPr>
+        <p:spPr/>
+      </p:sp>
+      <p:sp>
+        <p:nvSpPr>
+          <p:cNvPr id="3" name="Espace réservé des notes 2"/>
+          <p:cNvSpPr>
+            <a:spLocks noGrp="1"/>
+          </p:cNvSpPr>
+          <p:nvPr>
+            <p:ph type="body" idx="1"/>
+          </p:nvPr>
+        </p:nvSpPr>
+        <p:spPr/>
+        <p:txBody>
+          <a:bodyPr/>
+          <a:lstStyle/>
+          <a:p>
+            <a:r>
+              <a:rPr lang="es-ES" dirty="0"/>
+              <a:t>4 </a:t>
+            </a:r>
+            <a:r>
+              <a:rPr lang="es-ES" dirty="0" err="1"/>
+              <a:t>étapes</a:t>
+            </a:r>
+            <a:endParaRPr lang="es-ES" dirty="0"/>
+          </a:p>
+          <a:p>
+            <a:r>
+              <a:rPr lang="es-ES" dirty="0"/>
+              <a:t>01 – Dans </a:t>
+            </a:r>
+            <a:r>
+              <a:rPr lang="es-ES" dirty="0" err="1"/>
+              <a:t>quels</a:t>
+            </a:r>
+            <a:r>
+              <a:rPr lang="es-ES" dirty="0"/>
+              <a:t> </a:t>
+            </a:r>
+            <a:r>
+              <a:rPr lang="es-ES" dirty="0" err="1"/>
+              <a:t>datasets</a:t>
+            </a:r>
+            <a:r>
+              <a:rPr lang="es-ES" dirty="0"/>
+              <a:t> et </a:t>
+            </a:r>
+            <a:r>
+              <a:rPr lang="es-ES" dirty="0" err="1"/>
+              <a:t>colonnes</a:t>
+            </a:r>
+            <a:r>
+              <a:rPr lang="es-ES" dirty="0"/>
+              <a:t> </a:t>
+            </a:r>
+          </a:p>
+          <a:p>
+            <a:r>
+              <a:rPr lang="es-ES" dirty="0"/>
+              <a:t>02 - </a:t>
+            </a:r>
+            <a:r>
+              <a:rPr lang="fr-FR" dirty="0"/>
+              <a:t>quelle est la stratégie que j'ai utilisé</a:t>
+            </a:r>
+          </a:p>
+          <a:p>
+            <a:r>
+              <a:rPr lang="fr-FR" dirty="0"/>
+              <a:t>03 – comment j’ai peux comparer les pays</a:t>
+            </a:r>
+          </a:p>
+          <a:p>
+            <a:r>
+              <a:rPr lang="fr-FR" dirty="0"/>
+              <a:t>04 - choisir</a:t>
+            </a:r>
+          </a:p>
+        </p:txBody>
+      </p:sp>
+      <p:sp>
+        <p:nvSpPr>
+          <p:cNvPr id="4" name="Espace réservé du numéro de diapositive 3"/>
+          <p:cNvSpPr>
+            <a:spLocks noGrp="1"/>
+          </p:cNvSpPr>
+          <p:nvPr>
+            <p:ph type="sldNum" sz="quarter" idx="5"/>
+          </p:nvPr>
+        </p:nvSpPr>
+        <p:spPr/>
+        <p:txBody>
+          <a:bodyPr/>
+          <a:lstStyle/>
+          <a:p>
+            <a:fld id="{B2BE2823-3393-479C-B299-87C7B63AEB2B}" type="slidenum">
+              <a:rPr lang="en-US" smtClean="0"/>
+              <a:t>9</a:t>
+            </a:fld>
+            <a:endParaRPr lang="en-US"/>
+          </a:p>
+        </p:txBody>
+      </p:sp>
+    </p:spTree>
+    <p:extLst>
+      <p:ext uri="{BB962C8B-B14F-4D97-AF65-F5344CB8AC3E}">
+        <p14:creationId xmlns:p14="http://schemas.microsoft.com/office/powerpoint/2010/main" val="1086313436"/>
+      </p:ext>
+    </p:extLst>
+  </p:cSld>
+  <p:clrMapOvr>
+    <a:masterClrMapping/>
+  </p:clrMapOvr>
+</p:notes>
+</file>
+
+<file path=ppt/notesSlides/notesSlide5.xml><?xml version="1.0" encoding="utf-8"?>
+<p:notes xmlns:a="http://schemas.openxmlformats.org/drawingml/2006/main" xmlns:r="http://schemas.openxmlformats.org/officeDocument/2006/relationships" xmlns:p="http://schemas.openxmlformats.org/presentationml/2006/main">
+  <p:cSld>
+    <p:spTree>
+      <p:nvGrpSpPr>
+        <p:cNvPr id="1" name=""/>
+        <p:cNvGrpSpPr/>
+        <p:nvPr/>
+      </p:nvGrpSpPr>
+      <p:grpSpPr>
+        <a:xfrm>
+          <a:off x="0" y="0"/>
+          <a:ext cx="0" cy="0"/>
+          <a:chOff x="0" y="0"/>
+          <a:chExt cx="0" cy="0"/>
+        </a:xfrm>
+      </p:grpSpPr>
+      <p:sp>
+        <p:nvSpPr>
+          <p:cNvPr id="2" name="Espace réservé de l'image des diapositives 1"/>
+          <p:cNvSpPr>
+            <a:spLocks noGrp="1" noRot="1" noChangeAspect="1"/>
+          </p:cNvSpPr>
+          <p:nvPr>
+            <p:ph type="sldImg"/>
+          </p:nvPr>
+        </p:nvSpPr>
+        <p:spPr/>
+      </p:sp>
+      <p:sp>
+        <p:nvSpPr>
+          <p:cNvPr id="3" name="Espace réservé des notes 2"/>
+          <p:cNvSpPr>
+            <a:spLocks noGrp="1"/>
+          </p:cNvSpPr>
+          <p:nvPr>
+            <p:ph type="body" idx="1"/>
+          </p:nvPr>
+        </p:nvSpPr>
+        <p:spPr/>
+        <p:txBody>
+          <a:bodyPr/>
+          <a:lstStyle/>
+          <a:p>
+            <a:pPr marL="0" marR="0" lvl="0" indent="0" algn="l" defTabSz="914400" rtl="0" eaLnBrk="1" fontAlgn="auto" latinLnBrk="0" hangingPunct="1">
+              <a:lnSpc>
+                <a:spcPct val="100000"/>
+              </a:lnSpc>
+              <a:spcBef>
+                <a:spcPts val="0"/>
+              </a:spcBef>
+              <a:spcAft>
+                <a:spcPts val="0"/>
+              </a:spcAft>
+              <a:buClrTx/>
+              <a:buSzTx/>
+              <a:buFontTx/>
+              <a:buNone/>
+              <a:tabLst/>
+              <a:defRPr/>
+            </a:pPr>
+            <a:r>
+              <a:rPr lang="fr-FR" sz="1800" b="1" dirty="0">
+                <a:solidFill>
+                  <a:srgbClr val="F2B43D"/>
+                </a:solidFill>
+                <a:latin typeface="docs-Roboto"/>
+              </a:rPr>
+              <a:t>Mots-clés PAS liés à l’objectif de la mission</a:t>
+            </a:r>
+            <a:endParaRPr lang="fr-FR" sz="1800" b="1" u="none" strike="noStrike" dirty="0">
+              <a:solidFill>
+                <a:srgbClr val="F2B43D"/>
+              </a:solidFill>
+              <a:latin typeface="docs-Roboto"/>
+            </a:endParaRPr>
+          </a:p>
+          <a:p>
+            <a:r>
+              <a:rPr lang="fr-FR" sz="1800" b="0" i="0" u="none" strike="noStrike" dirty="0">
+                <a:solidFill>
+                  <a:srgbClr val="202124"/>
+                </a:solidFill>
+                <a:effectLst/>
+                <a:latin typeface="Roboto" panose="02000000000000000000" pitchFamily="2" charset="0"/>
+              </a:rPr>
+              <a:t>qui n'ont pas d'importance</a:t>
+            </a:r>
+          </a:p>
+          <a:p>
+            <a:endParaRPr lang="fr-FR" sz="1800" b="0" i="0" u="none" strike="noStrike" dirty="0">
+              <a:solidFill>
+                <a:srgbClr val="202124"/>
+              </a:solidFill>
+              <a:effectLst/>
+              <a:latin typeface="Roboto" panose="02000000000000000000" pitchFamily="2" charset="0"/>
+            </a:endParaRPr>
+          </a:p>
+          <a:p>
+            <a:pPr rtl="0"/>
+            <a:r>
+              <a:rPr lang="fr-FR" dirty="0">
+                <a:solidFill>
+                  <a:srgbClr val="000000"/>
+                </a:solidFill>
+                <a:effectLst/>
+              </a:rPr>
+              <a:t>J'ai obtenu 296 indicateurs</a:t>
+            </a:r>
+          </a:p>
+          <a:p>
+            <a:endParaRPr lang="fr-FR" dirty="0"/>
+          </a:p>
+        </p:txBody>
+      </p:sp>
+      <p:sp>
+        <p:nvSpPr>
+          <p:cNvPr id="4" name="Espace réservé du numéro de diapositive 3"/>
+          <p:cNvSpPr>
+            <a:spLocks noGrp="1"/>
+          </p:cNvSpPr>
+          <p:nvPr>
+            <p:ph type="sldNum" sz="quarter" idx="5"/>
+          </p:nvPr>
+        </p:nvSpPr>
+        <p:spPr/>
+        <p:txBody>
+          <a:bodyPr/>
+          <a:lstStyle/>
+          <a:p>
+            <a:fld id="{B2BE2823-3393-479C-B299-87C7B63AEB2B}" type="slidenum">
+              <a:rPr lang="en-US" smtClean="0"/>
+              <a:t>11</a:t>
+            </a:fld>
+            <a:endParaRPr lang="en-US"/>
+          </a:p>
+        </p:txBody>
+      </p:sp>
+    </p:spTree>
+    <p:extLst>
+      <p:ext uri="{BB962C8B-B14F-4D97-AF65-F5344CB8AC3E}">
+        <p14:creationId xmlns:p14="http://schemas.microsoft.com/office/powerpoint/2010/main" val="2817984443"/>
+      </p:ext>
+    </p:extLst>
+  </p:cSld>
+  <p:clrMapOvr>
+    <a:masterClrMapping/>
+  </p:clrMapOvr>
+</p:notes>
+</file>
+
+<file path=ppt/notesSlides/notesSlide6.xml><?xml version="1.0" encoding="utf-8"?>
+<p:notes xmlns:a="http://schemas.openxmlformats.org/drawingml/2006/main" xmlns:r="http://schemas.openxmlformats.org/officeDocument/2006/relationships" xmlns:p="http://schemas.openxmlformats.org/presentationml/2006/main">
+  <p:cSld>
+    <p:spTree>
+      <p:nvGrpSpPr>
+        <p:cNvPr id="1" name=""/>
+        <p:cNvGrpSpPr/>
+        <p:nvPr/>
+      </p:nvGrpSpPr>
+      <p:grpSpPr>
+        <a:xfrm>
+          <a:off x="0" y="0"/>
+          <a:ext cx="0" cy="0"/>
+          <a:chOff x="0" y="0"/>
+          <a:chExt cx="0" cy="0"/>
+        </a:xfrm>
+      </p:grpSpPr>
+      <p:sp>
+        <p:nvSpPr>
+          <p:cNvPr id="2" name="Espace réservé de l'image des diapositives 1"/>
+          <p:cNvSpPr>
+            <a:spLocks noGrp="1" noRot="1" noChangeAspect="1"/>
+          </p:cNvSpPr>
+          <p:nvPr>
+            <p:ph type="sldImg"/>
+          </p:nvPr>
+        </p:nvSpPr>
+        <p:spPr/>
+      </p:sp>
+      <p:sp>
+        <p:nvSpPr>
+          <p:cNvPr id="3" name="Espace réservé des notes 2"/>
+          <p:cNvSpPr>
+            <a:spLocks noGrp="1"/>
+          </p:cNvSpPr>
+          <p:nvPr>
+            <p:ph type="body" idx="1"/>
+          </p:nvPr>
+        </p:nvSpPr>
+        <p:spPr/>
+        <p:txBody>
+          <a:bodyPr/>
+          <a:lstStyle/>
+          <a:p>
+            <a:r>
+              <a:rPr lang="fr-FR" sz="1800" b="0" i="0" u="none" strike="noStrike" dirty="0">
+                <a:solidFill>
+                  <a:srgbClr val="202124"/>
+                </a:solidFill>
+                <a:effectLst/>
+                <a:latin typeface="Roboto" panose="02000000000000000000" pitchFamily="2" charset="0"/>
+              </a:rPr>
+              <a:t>Je vais choisir à main levée ceux qui sont le plus important dans le cadre de la mission</a:t>
+            </a:r>
+            <a:endParaRPr lang="fr-FR" dirty="0"/>
+          </a:p>
+        </p:txBody>
+      </p:sp>
+      <p:sp>
+        <p:nvSpPr>
+          <p:cNvPr id="4" name="Espace réservé du numéro de diapositive 3"/>
+          <p:cNvSpPr>
+            <a:spLocks noGrp="1"/>
+          </p:cNvSpPr>
+          <p:nvPr>
+            <p:ph type="sldNum" sz="quarter" idx="5"/>
+          </p:nvPr>
+        </p:nvSpPr>
+        <p:spPr/>
+        <p:txBody>
+          <a:bodyPr/>
+          <a:lstStyle/>
+          <a:p>
+            <a:fld id="{B2BE2823-3393-479C-B299-87C7B63AEB2B}" type="slidenum">
+              <a:rPr lang="en-US" smtClean="0"/>
+              <a:t>12</a:t>
+            </a:fld>
+            <a:endParaRPr lang="en-US"/>
+          </a:p>
+        </p:txBody>
+      </p:sp>
+    </p:spTree>
+    <p:extLst>
+      <p:ext uri="{BB962C8B-B14F-4D97-AF65-F5344CB8AC3E}">
+        <p14:creationId xmlns:p14="http://schemas.microsoft.com/office/powerpoint/2010/main" val="593113265"/>
+      </p:ext>
+    </p:extLst>
+  </p:cSld>
+  <p:clrMapOvr>
+    <a:masterClrMapping/>
+  </p:clrMapOvr>
+</p:notes>
+</file>
+
+<file path=ppt/notesSlides/notesSlide7.xml><?xml version="1.0" encoding="utf-8"?>
+<p:notes xmlns:a="http://schemas.openxmlformats.org/drawingml/2006/main" xmlns:r="http://schemas.openxmlformats.org/officeDocument/2006/relationships" xmlns:p="http://schemas.openxmlformats.org/presentationml/2006/main">
+  <p:cSld>
+    <p:spTree>
+      <p:nvGrpSpPr>
+        <p:cNvPr id="1" name=""/>
+        <p:cNvGrpSpPr/>
+        <p:nvPr/>
+      </p:nvGrpSpPr>
+      <p:grpSpPr>
+        <a:xfrm>
+          <a:off x="0" y="0"/>
+          <a:ext cx="0" cy="0"/>
+          <a:chOff x="0" y="0"/>
+          <a:chExt cx="0" cy="0"/>
+        </a:xfrm>
+      </p:grpSpPr>
+      <p:sp>
+        <p:nvSpPr>
+          <p:cNvPr id="2" name="Espace réservé de l'image des diapositives 1"/>
+          <p:cNvSpPr>
+            <a:spLocks noGrp="1" noRot="1" noChangeAspect="1"/>
+          </p:cNvSpPr>
+          <p:nvPr>
+            <p:ph type="sldImg"/>
+          </p:nvPr>
+        </p:nvSpPr>
+        <p:spPr/>
+      </p:sp>
+      <p:sp>
+        <p:nvSpPr>
+          <p:cNvPr id="3" name="Espace réservé des notes 2"/>
+          <p:cNvSpPr>
+            <a:spLocks noGrp="1"/>
+          </p:cNvSpPr>
+          <p:nvPr>
+            <p:ph type="body" idx="1"/>
+          </p:nvPr>
+        </p:nvSpPr>
+        <p:spPr/>
+        <p:txBody>
+          <a:bodyPr/>
+          <a:lstStyle/>
+          <a:p>
+            <a:r>
+              <a:rPr lang="fr-FR" dirty="0"/>
+              <a:t>Un pays a des données pour 2015, mais il y a peut-être un autre pays qui ne dispose pas de données pour la même année.</a:t>
+            </a:r>
+          </a:p>
+        </p:txBody>
+      </p:sp>
+      <p:sp>
+        <p:nvSpPr>
+          <p:cNvPr id="4" name="Espace réservé du numéro de diapositive 3"/>
+          <p:cNvSpPr>
+            <a:spLocks noGrp="1"/>
+          </p:cNvSpPr>
+          <p:nvPr>
+            <p:ph type="sldNum" sz="quarter" idx="5"/>
+          </p:nvPr>
+        </p:nvSpPr>
+        <p:spPr/>
+        <p:txBody>
+          <a:bodyPr/>
+          <a:lstStyle/>
+          <a:p>
+            <a:fld id="{B2BE2823-3393-479C-B299-87C7B63AEB2B}" type="slidenum">
+              <a:rPr lang="en-US" smtClean="0"/>
+              <a:t>13</a:t>
+            </a:fld>
+            <a:endParaRPr lang="en-US"/>
+          </a:p>
+        </p:txBody>
+      </p:sp>
+    </p:spTree>
+    <p:extLst>
+      <p:ext uri="{BB962C8B-B14F-4D97-AF65-F5344CB8AC3E}">
+        <p14:creationId xmlns:p14="http://schemas.microsoft.com/office/powerpoint/2010/main" val="2384685130"/>
+      </p:ext>
+    </p:extLst>
+  </p:cSld>
+  <p:clrMapOvr>
+    <a:masterClrMapping/>
+  </p:clrMapOvr>
+</p:notes>
+</file>
+
+<file path=ppt/notesSlides/notesSlide8.xml><?xml version="1.0" encoding="utf-8"?>
+<p:notes xmlns:a="http://schemas.openxmlformats.org/drawingml/2006/main" xmlns:r="http://schemas.openxmlformats.org/officeDocument/2006/relationships" xmlns:p="http://schemas.openxmlformats.org/presentationml/2006/main">
+  <p:cSld>
+    <p:spTree>
+      <p:nvGrpSpPr>
+        <p:cNvPr id="1" name=""/>
+        <p:cNvGrpSpPr/>
+        <p:nvPr/>
+      </p:nvGrpSpPr>
+      <p:grpSpPr>
+        <a:xfrm>
+          <a:off x="0" y="0"/>
+          <a:ext cx="0" cy="0"/>
+          <a:chOff x="0" y="0"/>
+          <a:chExt cx="0" cy="0"/>
+        </a:xfrm>
+      </p:grpSpPr>
+      <p:sp>
+        <p:nvSpPr>
+          <p:cNvPr id="2" name="Espace réservé de l'image des diapositives 1"/>
+          <p:cNvSpPr>
+            <a:spLocks noGrp="1" noRot="1" noChangeAspect="1"/>
+          </p:cNvSpPr>
+          <p:nvPr>
+            <p:ph type="sldImg"/>
+          </p:nvPr>
+        </p:nvSpPr>
+        <p:spPr/>
+      </p:sp>
+      <p:sp>
+        <p:nvSpPr>
+          <p:cNvPr id="3" name="Espace réservé des notes 2"/>
+          <p:cNvSpPr>
+            <a:spLocks noGrp="1"/>
+          </p:cNvSpPr>
+          <p:nvPr>
+            <p:ph type="body" idx="1"/>
+          </p:nvPr>
+        </p:nvSpPr>
+        <p:spPr/>
+        <p:txBody>
+          <a:bodyPr/>
+          <a:lstStyle/>
+          <a:p>
+            <a:r>
+              <a:rPr lang="es-ES" dirty="0"/>
+              <a:t>LA </a:t>
+            </a:r>
+            <a:r>
+              <a:rPr lang="es-ES" dirty="0" err="1"/>
+              <a:t>CHINe</a:t>
+            </a:r>
+            <a:r>
+              <a:rPr lang="es-ES" dirty="0"/>
+              <a:t>, L’AND</a:t>
+            </a:r>
+            <a:endParaRPr lang="fr-FR" dirty="0"/>
+          </a:p>
+        </p:txBody>
+      </p:sp>
+      <p:sp>
+        <p:nvSpPr>
+          <p:cNvPr id="4" name="Espace réservé du numéro de diapositive 3"/>
+          <p:cNvSpPr>
+            <a:spLocks noGrp="1"/>
+          </p:cNvSpPr>
+          <p:nvPr>
+            <p:ph type="sldNum" sz="quarter" idx="5"/>
+          </p:nvPr>
+        </p:nvSpPr>
+        <p:spPr/>
+        <p:txBody>
+          <a:bodyPr/>
+          <a:lstStyle/>
+          <a:p>
+            <a:fld id="{B2BE2823-3393-479C-B299-87C7B63AEB2B}" type="slidenum">
+              <a:rPr lang="en-US" smtClean="0"/>
+              <a:t>14</a:t>
+            </a:fld>
+            <a:endParaRPr lang="en-US"/>
+          </a:p>
+        </p:txBody>
+      </p:sp>
+    </p:spTree>
+    <p:extLst>
+      <p:ext uri="{BB962C8B-B14F-4D97-AF65-F5344CB8AC3E}">
+        <p14:creationId xmlns:p14="http://schemas.microsoft.com/office/powerpoint/2010/main" val="2434513466"/>
+      </p:ext>
+    </p:extLst>
+  </p:cSld>
+  <p:clrMapOvr>
+    <a:masterClrMapping/>
+  </p:clrMapOvr>
+</p:notes>
+</file>
+
+<file path=ppt/notesSlides/notesSlide9.xml><?xml version="1.0" encoding="utf-8"?>
+<p:notes xmlns:a="http://schemas.openxmlformats.org/drawingml/2006/main" xmlns:r="http://schemas.openxmlformats.org/officeDocument/2006/relationships" xmlns:p="http://schemas.openxmlformats.org/presentationml/2006/main">
+  <p:cSld>
+    <p:spTree>
+      <p:nvGrpSpPr>
+        <p:cNvPr id="1" name=""/>
+        <p:cNvGrpSpPr/>
+        <p:nvPr/>
+      </p:nvGrpSpPr>
+      <p:grpSpPr>
+        <a:xfrm>
+          <a:off x="0" y="0"/>
+          <a:ext cx="0" cy="0"/>
+          <a:chOff x="0" y="0"/>
+          <a:chExt cx="0" cy="0"/>
+        </a:xfrm>
+      </p:grpSpPr>
+      <p:sp>
+        <p:nvSpPr>
+          <p:cNvPr id="2" name="Espace réservé de l'image des diapositives 1"/>
+          <p:cNvSpPr>
+            <a:spLocks noGrp="1" noRot="1" noChangeAspect="1"/>
+          </p:cNvSpPr>
+          <p:nvPr>
+            <p:ph type="sldImg"/>
+          </p:nvPr>
+        </p:nvSpPr>
+        <p:spPr/>
+      </p:sp>
+      <p:sp>
+        <p:nvSpPr>
+          <p:cNvPr id="3" name="Espace réservé des notes 2"/>
+          <p:cNvSpPr>
+            <a:spLocks noGrp="1"/>
+          </p:cNvSpPr>
+          <p:nvPr>
+            <p:ph type="body" idx="1"/>
+          </p:nvPr>
+        </p:nvSpPr>
+        <p:spPr/>
+        <p:txBody>
+          <a:bodyPr/>
+          <a:lstStyle/>
+          <a:p>
+            <a:r>
+              <a:rPr lang="es-ES" dirty="0"/>
+              <a:t>GDP = </a:t>
+            </a:r>
+            <a:r>
+              <a:rPr lang="es-ES" dirty="0" err="1"/>
+              <a:t>produit</a:t>
+            </a:r>
+            <a:r>
+              <a:rPr lang="es-ES" dirty="0"/>
+              <a:t> </a:t>
+            </a:r>
+            <a:r>
+              <a:rPr lang="es-ES" dirty="0" err="1"/>
+              <a:t>intérieur</a:t>
+            </a:r>
+            <a:r>
+              <a:rPr lang="es-ES" dirty="0"/>
+              <a:t> </a:t>
+            </a:r>
+            <a:r>
+              <a:rPr lang="es-ES" dirty="0" err="1"/>
+              <a:t>brut</a:t>
+            </a:r>
+            <a:endParaRPr lang="fr-FR" dirty="0"/>
+          </a:p>
+        </p:txBody>
+      </p:sp>
+      <p:sp>
+        <p:nvSpPr>
+          <p:cNvPr id="4" name="Espace réservé du numéro de diapositive 3"/>
+          <p:cNvSpPr>
+            <a:spLocks noGrp="1"/>
+          </p:cNvSpPr>
+          <p:nvPr>
+            <p:ph type="sldNum" sz="quarter" idx="5"/>
+          </p:nvPr>
+        </p:nvSpPr>
+        <p:spPr/>
+        <p:txBody>
+          <a:bodyPr/>
+          <a:lstStyle/>
+          <a:p>
+            <a:fld id="{B2BE2823-3393-479C-B299-87C7B63AEB2B}" type="slidenum">
+              <a:rPr lang="en-US" smtClean="0"/>
+              <a:t>15</a:t>
+            </a:fld>
+            <a:endParaRPr lang="en-US"/>
+          </a:p>
+        </p:txBody>
+      </p:sp>
+    </p:spTree>
+    <p:extLst>
+      <p:ext uri="{BB962C8B-B14F-4D97-AF65-F5344CB8AC3E}">
+        <p14:creationId xmlns:p14="http://schemas.microsoft.com/office/powerpoint/2010/main" val="547616021"/>
+      </p:ext>
+    </p:extLst>
+  </p:cSld>
+  <p:clrMapOvr>
+    <a:masterClrMapping/>
+  </p:clrMapOvr>
+</p:notes>
+</file>
+
 <file path=ppt/slideLayouts/slideLayout1.xml><?xml version="1.0" encoding="utf-8"?>
 <p:sldLayout xmlns:a="http://schemas.openxmlformats.org/drawingml/2006/main" xmlns:r="http://schemas.openxmlformats.org/officeDocument/2006/relationships" xmlns:p="http://schemas.openxmlformats.org/presentationml/2006/main" type="title" preserve="1">
   <p:cSld name="Title Slide">
@@ -813,7 +2150,7 @@
           <a:p>
             <a:fld id="{E1DCD729-31D5-4480-98D7-69012EF3B7DD}" type="datetimeFigureOut">
               <a:rPr lang="en-US" smtClean="0"/>
-              <a:t>5/18/2021</a:t>
+              <a:t>5/31/2021</a:t>
             </a:fld>
             <a:endParaRPr lang="en-US"/>
           </a:p>
@@ -1011,7 +2348,7 @@
           <a:p>
             <a:fld id="{E1DCD729-31D5-4480-98D7-69012EF3B7DD}" type="datetimeFigureOut">
               <a:rPr lang="en-US" smtClean="0"/>
-              <a:t>5/18/2021</a:t>
+              <a:t>5/31/2021</a:t>
             </a:fld>
             <a:endParaRPr lang="en-US"/>
           </a:p>
@@ -1219,7 +2556,7 @@
           <a:p>
             <a:fld id="{E1DCD729-31D5-4480-98D7-69012EF3B7DD}" type="datetimeFigureOut">
               <a:rPr lang="en-US" smtClean="0"/>
-              <a:t>5/18/2021</a:t>
+              <a:t>5/31/2021</a:t>
             </a:fld>
             <a:endParaRPr lang="en-US"/>
           </a:p>
@@ -1417,7 +2754,7 @@
           <a:p>
             <a:fld id="{E1DCD729-31D5-4480-98D7-69012EF3B7DD}" type="datetimeFigureOut">
               <a:rPr lang="en-US" smtClean="0"/>
-              <a:t>5/18/2021</a:t>
+              <a:t>5/31/2021</a:t>
             </a:fld>
             <a:endParaRPr lang="en-US"/>
           </a:p>
@@ -1692,7 +3029,7 @@
           <a:p>
             <a:fld id="{E1DCD729-31D5-4480-98D7-69012EF3B7DD}" type="datetimeFigureOut">
               <a:rPr lang="en-US" smtClean="0"/>
-              <a:t>5/18/2021</a:t>
+              <a:t>5/31/2021</a:t>
             </a:fld>
             <a:endParaRPr lang="en-US"/>
           </a:p>
@@ -1957,7 +3294,7 @@
           <a:p>
             <a:fld id="{E1DCD729-31D5-4480-98D7-69012EF3B7DD}" type="datetimeFigureOut">
               <a:rPr lang="en-US" smtClean="0"/>
-              <a:t>5/18/2021</a:t>
+              <a:t>5/31/2021</a:t>
             </a:fld>
             <a:endParaRPr lang="en-US"/>
           </a:p>
@@ -2369,7 +3706,7 @@
           <a:p>
             <a:fld id="{E1DCD729-31D5-4480-98D7-69012EF3B7DD}" type="datetimeFigureOut">
               <a:rPr lang="en-US" smtClean="0"/>
-              <a:t>5/18/2021</a:t>
+              <a:t>5/31/2021</a:t>
             </a:fld>
             <a:endParaRPr lang="en-US"/>
           </a:p>
@@ -2510,7 +3847,7 @@
           <a:p>
             <a:fld id="{E1DCD729-31D5-4480-98D7-69012EF3B7DD}" type="datetimeFigureOut">
               <a:rPr lang="en-US" smtClean="0"/>
-              <a:t>5/18/2021</a:t>
+              <a:t>5/31/2021</a:t>
             </a:fld>
             <a:endParaRPr lang="en-US"/>
           </a:p>
@@ -2623,7 +3960,7 @@
           <a:p>
             <a:fld id="{E1DCD729-31D5-4480-98D7-69012EF3B7DD}" type="datetimeFigureOut">
               <a:rPr lang="en-US" smtClean="0"/>
-              <a:t>5/18/2021</a:t>
+              <a:t>5/31/2021</a:t>
             </a:fld>
             <a:endParaRPr lang="en-US"/>
           </a:p>
@@ -2934,7 +4271,7 @@
           <a:p>
             <a:fld id="{E1DCD729-31D5-4480-98D7-69012EF3B7DD}" type="datetimeFigureOut">
               <a:rPr lang="en-US" smtClean="0"/>
-              <a:t>5/18/2021</a:t>
+              <a:t>5/31/2021</a:t>
             </a:fld>
             <a:endParaRPr lang="en-US"/>
           </a:p>
@@ -3222,7 +4559,7 @@
           <a:p>
             <a:fld id="{E1DCD729-31D5-4480-98D7-69012EF3B7DD}" type="datetimeFigureOut">
               <a:rPr lang="en-US" smtClean="0"/>
-              <a:t>5/18/2021</a:t>
+              <a:t>5/31/2021</a:t>
             </a:fld>
             <a:endParaRPr lang="en-US"/>
           </a:p>
@@ -3472,7 +4809,7 @@
           <a:p>
             <a:fld id="{E1DCD729-31D5-4480-98D7-69012EF3B7DD}" type="datetimeFigureOut">
               <a:rPr lang="en-US" smtClean="0"/>
-              <a:t>5/18/2021</a:t>
+              <a:t>5/31/2021</a:t>
             </a:fld>
             <a:endParaRPr lang="en-US"/>
           </a:p>
@@ -4517,20 +5854,6 @@
           <a:lstStyle/>
           <a:p>
             <a:r>
-              <a:rPr lang="fr-FR" sz="1400">
-                <a:ln>
-                  <a:solidFill>
-                    <a:schemeClr val="bg1"/>
-                  </a:solidFill>
-                </a:ln>
-                <a:solidFill>
-                  <a:schemeClr val="bg1"/>
-                </a:solidFill>
-                <a:latin typeface="Google Sans"/>
-              </a:rPr>
-              <a:t>24 </a:t>
-            </a:r>
-            <a:r>
               <a:rPr lang="fr-FR" sz="1400" dirty="0">
                 <a:ln>
                   <a:solidFill>
@@ -4542,7 +5865,7 @@
                 </a:solidFill>
                 <a:latin typeface="Google Sans"/>
               </a:rPr>
-              <a:t>avril 2021</a:t>
+              <a:t>31 mai 2021</a:t>
             </a:r>
           </a:p>
         </p:txBody>
@@ -5920,7 +7243,7 @@
           <p:nvPr/>
         </p:nvPicPr>
         <p:blipFill>
-          <a:blip r:embed="rId2">
+          <a:blip r:embed="rId3">
             <a:duotone>
               <a:schemeClr val="accent2">
                 <a:shade val="45000"/>
@@ -6004,7 +7327,7 @@
           <p:nvPr/>
         </p:nvPicPr>
         <p:blipFill>
-          <a:blip r:embed="rId2">
+          <a:blip r:embed="rId3">
             <a:duotone>
               <a:schemeClr val="accent2">
                 <a:shade val="45000"/>
@@ -6228,7 +7551,7 @@
           <p:nvPr/>
         </p:nvPicPr>
         <p:blipFill>
-          <a:blip r:embed="rId3">
+          <a:blip r:embed="rId4">
             <a:extLst>
               <a:ext uri="{28A0092B-C50C-407E-A947-70E740481C1C}">
                 <a14:useLocalDpi xmlns:a14="http://schemas.microsoft.com/office/drawing/2010/main" val="0"/>
@@ -6472,7 +7795,7 @@
           <p:nvPr/>
         </p:nvPicPr>
         <p:blipFill>
-          <a:blip r:embed="rId2">
+          <a:blip r:embed="rId3">
             <a:duotone>
               <a:schemeClr val="accent6">
                 <a:shade val="45000"/>
@@ -7471,7 +8794,7 @@
           <p:nvPr/>
         </p:nvPicPr>
         <p:blipFill rotWithShape="1">
-          <a:blip r:embed="rId2">
+          <a:blip r:embed="rId3">
             <a:extLst>
               <a:ext uri="{28A0092B-C50C-407E-A947-70E740481C1C}">
                 <a14:useLocalDpi xmlns:a14="http://schemas.microsoft.com/office/drawing/2010/main" val="0"/>
@@ -7650,7 +8973,7 @@
         <p:spPr>
           <a:xfrm>
             <a:off x="844895" y="2227901"/>
-            <a:ext cx="7082953" cy="400110"/>
+            <a:ext cx="8699699" cy="400110"/>
           </a:xfrm>
           <a:prstGeom prst="rect">
             <a:avLst/>
@@ -7669,19 +8992,11 @@
             </a:r>
             <a:r>
               <a:rPr lang="es-419" sz="2000" dirty="0"/>
-              <a:t> les </a:t>
+              <a:t> le nombre de </a:t>
             </a:r>
             <a:r>
               <a:rPr lang="es-419" sz="2000" dirty="0" err="1"/>
               <a:t>colonnes</a:t>
-            </a:r>
-            <a:r>
-              <a:rPr lang="es-419" sz="2000" dirty="0"/>
-              <a:t> </a:t>
-            </a:r>
-            <a:r>
-              <a:rPr lang="es-419" sz="2000" dirty="0" err="1"/>
-              <a:t>minimales</a:t>
             </a:r>
             <a:r>
               <a:rPr lang="es-419" sz="2000" dirty="0"/>
@@ -7732,7 +9047,7 @@
           <p:nvPr/>
         </p:nvPicPr>
         <p:blipFill>
-          <a:blip r:embed="rId3">
+          <a:blip r:embed="rId4">
             <a:duotone>
               <a:schemeClr val="accent2">
                 <a:shade val="45000"/>
@@ -7857,7 +9172,7 @@
           <p:nvPr/>
         </p:nvPicPr>
         <p:blipFill>
-          <a:blip r:embed="rId3">
+          <a:blip r:embed="rId4">
             <a:duotone>
               <a:schemeClr val="accent2">
                 <a:shade val="45000"/>
@@ -8155,7 +9470,7 @@
           <p:nvPr/>
         </p:nvPicPr>
         <p:blipFill>
-          <a:blip r:embed="rId3">
+          <a:blip r:embed="rId4">
             <a:duotone>
               <a:schemeClr val="accent2">
                 <a:shade val="45000"/>
@@ -8340,7 +9655,7 @@
           <p:nvPr/>
         </p:nvPicPr>
         <p:blipFill>
-          <a:blip r:embed="rId3">
+          <a:blip r:embed="rId4">
             <a:duotone>
               <a:schemeClr val="accent6">
                 <a:shade val="45000"/>
@@ -8492,7 +9807,7 @@
           <p:nvPr/>
         </p:nvPicPr>
         <p:blipFill>
-          <a:blip r:embed="rId4">
+          <a:blip r:embed="rId5">
             <a:extLst>
               <a:ext uri="{28A0092B-C50C-407E-A947-70E740481C1C}">
                 <a14:useLocalDpi xmlns:a14="http://schemas.microsoft.com/office/drawing/2010/main" val="0"/>
@@ -8602,7 +9917,7 @@
                 </a:solidFill>
                 <a:latin typeface="Google Sans"/>
               </a:rPr>
-              <a:t>La chine, l’inde, les US et le Brésil sont les pays avec le plus fort potentiel </a:t>
+              <a:t>La chine, l’inde, les EU et le Brésil sont les pays avec le plus fort potentiel </a:t>
             </a:r>
             <a:endParaRPr lang="es-419" sz="3200" i="1" u="sng" dirty="0">
               <a:ln>
@@ -8958,7 +10273,7 @@
           <p:nvPr/>
         </p:nvPicPr>
         <p:blipFill>
-          <a:blip r:embed="rId2">
+          <a:blip r:embed="rId3">
             <a:duotone>
               <a:schemeClr val="accent6">
                 <a:shade val="45000"/>
@@ -9001,7 +10316,7 @@
           <p:nvPr/>
         </p:nvPicPr>
         <p:blipFill rotWithShape="1">
-          <a:blip r:embed="rId3">
+          <a:blip r:embed="rId4">
             <a:extLst>
               <a:ext uri="{28A0092B-C50C-407E-A947-70E740481C1C}">
                 <a14:useLocalDpi xmlns:a14="http://schemas.microsoft.com/office/drawing/2010/main" val="0"/>
@@ -9119,7 +10434,7 @@
             <p:nvPr/>
           </p:nvPicPr>
           <p:blipFill rotWithShape="1">
-            <a:blip r:embed="rId3">
+            <a:blip r:embed="rId4">
               <a:extLst>
                 <a:ext uri="{28A0092B-C50C-407E-A947-70E740481C1C}">
                   <a14:useLocalDpi xmlns:a14="http://schemas.microsoft.com/office/drawing/2010/main" val="0"/>
@@ -9891,7 +11206,7 @@
           <p:nvPr>
             <p:extLst>
               <p:ext uri="{D42A27DB-BD31-4B8C-83A1-F6EECF244321}">
-                <p14:modId xmlns:p14="http://schemas.microsoft.com/office/powerpoint/2010/main" val="3586941846"/>
+                <p14:modId xmlns:p14="http://schemas.microsoft.com/office/powerpoint/2010/main" val="4167729085"/>
               </p:ext>
             </p:extLst>
           </p:nvPr>
@@ -9921,14 +11236,14 @@
                     </a:ext>
                   </a:extLst>
                 </a:gridCol>
-                <a:gridCol w="1634205">
+                <a:gridCol w="1935476">
                   <a:extLst>
                     <a:ext uri="{9D8B030D-6E8A-4147-A177-3AD203B41FA5}">
                       <a16:colId xmlns:a16="http://schemas.microsoft.com/office/drawing/2014/main" val="2509600319"/>
                     </a:ext>
                   </a:extLst>
                 </a:gridCol>
-                <a:gridCol w="4494063">
+                <a:gridCol w="4192792">
                   <a:extLst>
                     <a:ext uri="{9D8B030D-6E8A-4147-A177-3AD203B41FA5}">
                       <a16:colId xmlns:a16="http://schemas.microsoft.com/office/drawing/2014/main" val="1724231034"/>
@@ -10389,7 +11704,7 @@
                 </a:solidFill>
                 <a:latin typeface="Google Sans"/>
               </a:rPr>
-              <a:t>(Définition de Score)</a:t>
+              <a:t>(Définition du Score)</a:t>
             </a:r>
             <a:endParaRPr lang="es-419" sz="4000" b="1" i="1" dirty="0">
               <a:ln>
@@ -10420,7 +11735,7 @@
           <p:nvPr/>
         </p:nvPicPr>
         <p:blipFill>
-          <a:blip r:embed="rId2">
+          <a:blip r:embed="rId3">
             <a:duotone>
               <a:schemeClr val="accent6">
                 <a:shade val="45000"/>
@@ -10611,7 +11926,7 @@
           <p:nvPr/>
         </p:nvPicPr>
         <p:blipFill>
-          <a:blip r:embed="rId3">
+          <a:blip r:embed="rId4">
             <a:extLst>
               <a:ext uri="{28A0092B-C50C-407E-A947-70E740481C1C}">
                 <a14:useLocalDpi xmlns:a14="http://schemas.microsoft.com/office/drawing/2010/main" val="0"/>
@@ -10677,7 +11992,7 @@
           <p:nvPr/>
         </p:nvPicPr>
         <p:blipFill>
-          <a:blip r:embed="rId2">
+          <a:blip r:embed="rId3">
             <a:extLst>
               <a:ext uri="{28A0092B-C50C-407E-A947-70E740481C1C}">
                 <a14:useLocalDpi xmlns:a14="http://schemas.microsoft.com/office/drawing/2010/main" val="0"/>
@@ -11372,7 +12687,7 @@
                 </a:solidFill>
                 <a:latin typeface="Google Sans"/>
               </a:rPr>
-              <a:t>La chine, l’inde et les US sont les pays avec le plus fort potentiel </a:t>
+              <a:t>La chine, l’inde et les EU sont les pays avec le plus fort potentiel </a:t>
             </a:r>
             <a:endParaRPr lang="es-419" sz="3600" b="1" i="1" dirty="0">
               <a:ln>
@@ -11523,7 +12838,7 @@
           <p:nvPr/>
         </p:nvPicPr>
         <p:blipFill>
-          <a:blip r:embed="rId3">
+          <a:blip r:embed="rId4">
             <a:extLst>
               <a:ext uri="{28A0092B-C50C-407E-A947-70E740481C1C}">
                 <a14:useLocalDpi xmlns:a14="http://schemas.microsoft.com/office/drawing/2010/main" val="0"/>
@@ -11550,42 +12865,6 @@
             <a:extLst>
               <a:ext uri="{FF2B5EF4-FFF2-40B4-BE49-F238E27FC236}">
                 <a16:creationId xmlns:a16="http://schemas.microsoft.com/office/drawing/2014/main" id="{709CA7F0-DEA2-4E9A-87DE-64FF67BF74EA}"/>
-              </a:ext>
-            </a:extLst>
-          </p:cNvPr>
-          <p:cNvPicPr>
-            <a:picLocks noChangeAspect="1"/>
-          </p:cNvPicPr>
-          <p:nvPr/>
-        </p:nvPicPr>
-        <p:blipFill>
-          <a:blip r:embed="rId4">
-            <a:extLst>
-              <a:ext uri="{28A0092B-C50C-407E-A947-70E740481C1C}">
-                <a14:useLocalDpi xmlns:a14="http://schemas.microsoft.com/office/drawing/2010/main" val="0"/>
-              </a:ext>
-            </a:extLst>
-          </a:blip>
-          <a:stretch>
-            <a:fillRect/>
-          </a:stretch>
-        </p:blipFill>
-        <p:spPr>
-          <a:xfrm>
-            <a:off x="314848" y="4330199"/>
-            <a:ext cx="720000" cy="720000"/>
-          </a:xfrm>
-          <a:prstGeom prst="rect">
-            <a:avLst/>
-          </a:prstGeom>
-        </p:spPr>
-      </p:pic>
-      <p:pic>
-        <p:nvPicPr>
-          <p:cNvPr id="25" name="Image 24">
-            <a:extLst>
-              <a:ext uri="{FF2B5EF4-FFF2-40B4-BE49-F238E27FC236}">
-                <a16:creationId xmlns:a16="http://schemas.microsoft.com/office/drawing/2014/main" id="{6B453582-54CB-4DE2-8EB9-967B25BB4EC3}"/>
               </a:ext>
             </a:extLst>
           </p:cNvPr>
@@ -11596,6 +12875,42 @@
         </p:nvPicPr>
         <p:blipFill>
           <a:blip r:embed="rId5">
+            <a:extLst>
+              <a:ext uri="{28A0092B-C50C-407E-A947-70E740481C1C}">
+                <a14:useLocalDpi xmlns:a14="http://schemas.microsoft.com/office/drawing/2010/main" val="0"/>
+              </a:ext>
+            </a:extLst>
+          </a:blip>
+          <a:stretch>
+            <a:fillRect/>
+          </a:stretch>
+        </p:blipFill>
+        <p:spPr>
+          <a:xfrm>
+            <a:off x="314848" y="4330199"/>
+            <a:ext cx="720000" cy="720000"/>
+          </a:xfrm>
+          <a:prstGeom prst="rect">
+            <a:avLst/>
+          </a:prstGeom>
+        </p:spPr>
+      </p:pic>
+      <p:pic>
+        <p:nvPicPr>
+          <p:cNvPr id="25" name="Image 24">
+            <a:extLst>
+              <a:ext uri="{FF2B5EF4-FFF2-40B4-BE49-F238E27FC236}">
+                <a16:creationId xmlns:a16="http://schemas.microsoft.com/office/drawing/2014/main" id="{6B453582-54CB-4DE2-8EB9-967B25BB4EC3}"/>
+              </a:ext>
+            </a:extLst>
+          </p:cNvPr>
+          <p:cNvPicPr>
+            <a:picLocks noChangeAspect="1"/>
+          </p:cNvPicPr>
+          <p:nvPr/>
+        </p:nvPicPr>
+        <p:blipFill>
+          <a:blip r:embed="rId6">
             <a:extLst>
               <a:ext uri="{28A0092B-C50C-407E-A947-70E740481C1C}">
                 <a14:useLocalDpi xmlns:a14="http://schemas.microsoft.com/office/drawing/2010/main" val="0"/>
@@ -11661,7 +12976,7 @@
           <p:nvPr/>
         </p:nvPicPr>
         <p:blipFill>
-          <a:blip r:embed="rId2">
+          <a:blip r:embed="rId3">
             <a:duotone>
               <a:schemeClr val="accent6">
                 <a:shade val="45000"/>
@@ -12112,7 +13427,7 @@
                 </a:solidFill>
                 <a:latin typeface="Google Sans"/>
               </a:rPr>
-              <a:t>La chine, l’inde et les US ont plus d’évolution  de clients potentiels</a:t>
+              <a:t>La chine, l’inde et les EU ont plus d’évolution  de clients potentiels</a:t>
             </a:r>
             <a:endParaRPr lang="es-419" sz="3600" b="1" dirty="0">
               <a:ln>
@@ -12143,7 +13458,7 @@
           <p:nvPr/>
         </p:nvPicPr>
         <p:blipFill>
-          <a:blip r:embed="rId3">
+          <a:blip r:embed="rId4">
             <a:extLst>
               <a:ext uri="{28A0092B-C50C-407E-A947-70E740481C1C}">
                 <a14:useLocalDpi xmlns:a14="http://schemas.microsoft.com/office/drawing/2010/main" val="0"/>
@@ -12575,7 +13890,7 @@
           <p:nvPr/>
         </p:nvPicPr>
         <p:blipFill>
-          <a:blip r:embed="rId2"/>
+          <a:blip r:embed="rId3"/>
           <a:stretch>
             <a:fillRect/>
           </a:stretch>
@@ -12615,7 +13930,7 @@
           <p:nvPr/>
         </p:nvPicPr>
         <p:blipFill>
-          <a:blip r:embed="rId3">
+          <a:blip r:embed="rId4">
             <a:duotone>
               <a:schemeClr val="accent6">
                 <a:shade val="45000"/>
@@ -12802,7 +14117,7 @@
                 </a:solidFill>
                 <a:latin typeface="Google Sans"/>
               </a:rPr>
-              <a:t>Le Royaume-Uni, le Japon l’inde et l’Allemagne ont la meilleure évolution d’internet</a:t>
+              <a:t>Le Royaume-Uni, le Japon, l’Inde et l’Allemagne ont la meilleure évolution d’internet</a:t>
             </a:r>
             <a:endParaRPr lang="es-419" sz="3600" b="1" dirty="0">
               <a:ln>
@@ -12998,7 +14313,7 @@
                 </a:solidFill>
                 <a:latin typeface="Google Sans"/>
               </a:rPr>
-              <a:t> doit opérer en priorité en </a:t>
+              <a:t> doit opérer en priorité en la </a:t>
             </a:r>
             <a:r>
               <a:rPr lang="fr-FR" sz="3600" b="1" i="1" u="sng" dirty="0">
@@ -13337,6 +14652,187 @@
               <a:t>Le prix de la formation n'est pas cher donc elle peut être acquise par plus de clients</a:t>
             </a:r>
             <a:endParaRPr lang="es-419" sz="2000" b="1" dirty="0"/>
+          </a:p>
+        </p:txBody>
+      </p:sp>
+      <p:sp>
+        <p:nvSpPr>
+          <p:cNvPr id="12" name="Rectangle 11">
+            <a:extLst>
+              <a:ext uri="{FF2B5EF4-FFF2-40B4-BE49-F238E27FC236}">
+                <a16:creationId xmlns:a16="http://schemas.microsoft.com/office/drawing/2014/main" id="{EA29E071-289F-42AA-BF3A-12AAAB1A92F4}"/>
+              </a:ext>
+            </a:extLst>
+          </p:cNvPr>
+          <p:cNvSpPr/>
+          <p:nvPr/>
+        </p:nvSpPr>
+        <p:spPr>
+          <a:xfrm>
+            <a:off x="0" y="6400273"/>
+            <a:ext cx="12192000" cy="457727"/>
+          </a:xfrm>
+          <a:prstGeom prst="rect">
+            <a:avLst/>
+          </a:prstGeom>
+          <a:solidFill>
+            <a:srgbClr val="7451EB"/>
+          </a:solidFill>
+          <a:ln>
+            <a:solidFill>
+              <a:srgbClr val="7451EB"/>
+            </a:solidFill>
+          </a:ln>
+        </p:spPr>
+        <p:style>
+          <a:lnRef idx="2">
+            <a:schemeClr val="accent1">
+              <a:shade val="50000"/>
+            </a:schemeClr>
+          </a:lnRef>
+          <a:fillRef idx="1">
+            <a:schemeClr val="accent1"/>
+          </a:fillRef>
+          <a:effectRef idx="0">
+            <a:schemeClr val="accent1"/>
+          </a:effectRef>
+          <a:fontRef idx="minor">
+            <a:schemeClr val="lt1"/>
+          </a:fontRef>
+        </p:style>
+        <p:txBody>
+          <a:bodyPr rtlCol="0" anchor="ctr"/>
+          <a:lstStyle/>
+          <a:p>
+            <a:pPr algn="ctr"/>
+            <a:endParaRPr lang="en-US" dirty="0"/>
+          </a:p>
+        </p:txBody>
+      </p:sp>
+      <p:sp>
+        <p:nvSpPr>
+          <p:cNvPr id="13" name="TextBox 3">
+            <a:extLst>
+              <a:ext uri="{FF2B5EF4-FFF2-40B4-BE49-F238E27FC236}">
+                <a16:creationId xmlns:a16="http://schemas.microsoft.com/office/drawing/2014/main" id="{73B849B8-00E2-4975-BEB5-AB39376939E1}"/>
+              </a:ext>
+            </a:extLst>
+          </p:cNvPr>
+          <p:cNvSpPr txBox="1"/>
+          <p:nvPr/>
+        </p:nvSpPr>
+        <p:spPr>
+          <a:xfrm>
+            <a:off x="10543592" y="6475247"/>
+            <a:ext cx="1648408" cy="307777"/>
+          </a:xfrm>
+          <a:prstGeom prst="rect">
+            <a:avLst/>
+          </a:prstGeom>
+          <a:noFill/>
+        </p:spPr>
+        <p:txBody>
+          <a:bodyPr wrap="square" rtlCol="0">
+            <a:spAutoFit/>
+          </a:bodyPr>
+          <a:lstStyle/>
+          <a:p>
+            <a:pPr algn="r"/>
+            <a:r>
+              <a:rPr lang="fr-FR" sz="1400" b="1" i="1" dirty="0" err="1">
+                <a:ln>
+                  <a:solidFill>
+                    <a:schemeClr val="bg1"/>
+                  </a:solidFill>
+                </a:ln>
+                <a:solidFill>
+                  <a:schemeClr val="bg1"/>
+                </a:solidFill>
+                <a:latin typeface="+mj-lt"/>
+              </a:rPr>
+              <a:t>OpenClassrooms</a:t>
+            </a:r>
+            <a:endParaRPr lang="fr-FR" sz="1400" b="1" i="1" dirty="0">
+              <a:ln>
+                <a:solidFill>
+                  <a:schemeClr val="bg1"/>
+                </a:solidFill>
+              </a:ln>
+              <a:solidFill>
+                <a:schemeClr val="bg1"/>
+              </a:solidFill>
+              <a:latin typeface="+mj-lt"/>
+            </a:endParaRPr>
+          </a:p>
+        </p:txBody>
+      </p:sp>
+      <p:sp>
+        <p:nvSpPr>
+          <p:cNvPr id="15" name="TextBox 3">
+            <a:extLst>
+              <a:ext uri="{FF2B5EF4-FFF2-40B4-BE49-F238E27FC236}">
+                <a16:creationId xmlns:a16="http://schemas.microsoft.com/office/drawing/2014/main" id="{9D40433C-44A7-49A0-9A72-131558F04137}"/>
+              </a:ext>
+            </a:extLst>
+          </p:cNvPr>
+          <p:cNvSpPr txBox="1"/>
+          <p:nvPr/>
+        </p:nvSpPr>
+        <p:spPr>
+          <a:xfrm>
+            <a:off x="0" y="6475247"/>
+            <a:ext cx="4438395" cy="307777"/>
+          </a:xfrm>
+          <a:prstGeom prst="rect">
+            <a:avLst/>
+          </a:prstGeom>
+          <a:noFill/>
+        </p:spPr>
+        <p:txBody>
+          <a:bodyPr wrap="square" rtlCol="0">
+            <a:spAutoFit/>
+          </a:bodyPr>
+          <a:lstStyle/>
+          <a:p>
+            <a:r>
+              <a:rPr lang="es-CO" sz="1400" b="1" dirty="0">
+                <a:ln>
+                  <a:solidFill>
+                    <a:schemeClr val="bg1"/>
+                  </a:solidFill>
+                </a:ln>
+                <a:solidFill>
+                  <a:schemeClr val="bg1"/>
+                </a:solidFill>
+                <a:latin typeface="+mj-lt"/>
+              </a:rPr>
+              <a:t>Project 2 - </a:t>
+            </a:r>
+            <a:r>
+              <a:rPr lang="fr-FR" sz="1400" b="1" dirty="0">
+                <a:ln>
+                  <a:solidFill>
+                    <a:schemeClr val="bg1"/>
+                  </a:solidFill>
+                </a:ln>
+                <a:solidFill>
+                  <a:schemeClr val="bg1"/>
+                </a:solidFill>
+                <a:latin typeface="+mj-lt"/>
+              </a:rPr>
+              <a:t> Analyse des données de systèmes éducatifs </a:t>
+            </a:r>
+            <a:endParaRPr lang="en-US" sz="1400" b="1" dirty="0">
+              <a:ln>
+                <a:solidFill>
+                  <a:schemeClr val="bg1"/>
+                </a:solidFill>
+              </a:ln>
+              <a:solidFill>
+                <a:schemeClr val="bg1"/>
+              </a:solidFill>
+              <a:latin typeface="+mj-lt"/>
+            </a:endParaRPr>
           </a:p>
         </p:txBody>
       </p:sp>
@@ -13841,7 +15337,7 @@
           <p:nvPr/>
         </p:nvPicPr>
         <p:blipFill rotWithShape="1">
-          <a:blip r:embed="rId2"/>
+          <a:blip r:embed="rId3"/>
           <a:srcRect l="291"/>
           <a:stretch/>
         </p:blipFill>
@@ -17878,7 +19374,7 @@
           <p:nvPr/>
         </p:nvPicPr>
         <p:blipFill>
-          <a:blip r:embed="rId2"/>
+          <a:blip r:embed="rId3"/>
           <a:stretch>
             <a:fillRect/>
           </a:stretch>
@@ -17918,7 +19414,7 @@
           <p:nvPr/>
         </p:nvPicPr>
         <p:blipFill>
-          <a:blip r:embed="rId3">
+          <a:blip r:embed="rId4">
             <a:extLst>
               <a:ext uri="{28A0092B-C50C-407E-A947-70E740481C1C}">
                 <a14:useLocalDpi xmlns:a14="http://schemas.microsoft.com/office/drawing/2010/main" val="0"/>
@@ -17974,7 +19470,7 @@
           <p:nvPr/>
         </p:nvPicPr>
         <p:blipFill>
-          <a:blip r:embed="rId4">
+          <a:blip r:embed="rId5">
             <a:extLst>
               <a:ext uri="{28A0092B-C50C-407E-A947-70E740481C1C}">
                 <a14:useLocalDpi xmlns:a14="http://schemas.microsoft.com/office/drawing/2010/main" val="0"/>
@@ -19364,7 +20860,7 @@
           <p:nvPr/>
         </p:nvPicPr>
         <p:blipFill rotWithShape="1">
-          <a:blip r:embed="rId2">
+          <a:blip r:embed="rId3">
             <a:extLst>
               <a:ext uri="{28A0092B-C50C-407E-A947-70E740481C1C}">
                 <a14:useLocalDpi xmlns:a14="http://schemas.microsoft.com/office/drawing/2010/main" val="0"/>
@@ -19544,7 +21040,7 @@
           <p:nvPr/>
         </p:nvPicPr>
         <p:blipFill>
-          <a:blip r:embed="rId3">
+          <a:blip r:embed="rId4">
             <a:duotone>
               <a:schemeClr val="accent2">
                 <a:shade val="45000"/>
@@ -20046,7 +21542,7 @@
           <p:nvPr>
             <p:extLst>
               <p:ext uri="{D42A27DB-BD31-4B8C-83A1-F6EECF244321}">
-                <p14:modId xmlns:p14="http://schemas.microsoft.com/office/powerpoint/2010/main" val="2764943099"/>
+                <p14:modId xmlns:p14="http://schemas.microsoft.com/office/powerpoint/2010/main" val="2332912363"/>
               </p:ext>
             </p:extLst>
           </p:nvPr>
@@ -20323,7 +21819,7 @@
                       </a:pPr>
                       <a:r>
                         <a:rPr lang="fr-FR" sz="1300" dirty="0"/>
-                        <a:t>Percentage de NaN: </a:t>
+                        <a:t>Pourcentage de NaN: </a:t>
                       </a:r>
                     </a:p>
                   </a:txBody>
@@ -20638,7 +22134,7 @@
                       </a:pPr>
                       <a:r>
                         <a:rPr lang="fr-FR" sz="1300" dirty="0"/>
-                        <a:t>Percentage de NaN: </a:t>
+                        <a:t>Pourcentage de NaN: </a:t>
                       </a:r>
                     </a:p>
                   </a:txBody>
@@ -20944,7 +22440,7 @@
                       </a:pPr>
                       <a:r>
                         <a:rPr lang="fr-FR" sz="1300" dirty="0"/>
-                        <a:t>Percentage de NaN: </a:t>
+                        <a:t>Pourcentage de NaN: </a:t>
                       </a:r>
                     </a:p>
                   </a:txBody>
@@ -21241,7 +22737,7 @@
                       </a:pPr>
                       <a:r>
                         <a:rPr lang="fr-FR" sz="1300" dirty="0"/>
-                        <a:t>Percentage de NaN: </a:t>
+                        <a:t>Pourcentage de NaN: </a:t>
                       </a:r>
                     </a:p>
                   </a:txBody>
@@ -21537,7 +23033,7 @@
                       </a:pPr>
                       <a:r>
                         <a:rPr lang="fr-FR" sz="1300" dirty="0"/>
-                        <a:t>Percentage de NaN: </a:t>
+                        <a:t>Pourcentage de NaN: </a:t>
                       </a:r>
                     </a:p>
                   </a:txBody>
@@ -25567,7 +27063,7 @@
           <p:nvPr/>
         </p:nvPicPr>
         <p:blipFill>
-          <a:blip r:embed="rId2">
+          <a:blip r:embed="rId3">
             <a:extLst>
               <a:ext uri="{28A0092B-C50C-407E-A947-70E740481C1C}">
                 <a14:useLocalDpi xmlns:a14="http://schemas.microsoft.com/office/drawing/2010/main" val="0"/>
